--- a/reports/PRESENTACIÓN_SEGMENTACIÓN.pptx
+++ b/reports/PRESENTACIÓN_SEGMENTACIÓN.pptx
@@ -35,41 +35,41 @@
   <p:notesSz cx="6858000" cy="9144000"/>
   <p:embeddedFontLst>
     <p:embeddedFont>
-      <p:font typeface="Roboto Slab" panose="020B0604020202020204" charset="0"/>
+      <p:font typeface="Cambria Math" panose="02040503050406030204" pitchFamily="18" charset="0"/>
       <p:regular r:id="rId25"/>
-      <p:bold r:id="rId26"/>
+    </p:embeddedFont>
+    <p:embeddedFont>
+      <p:font typeface="Fira Sans Extra Condensed Medium" panose="020B0604020202020204" charset="0"/>
+      <p:regular r:id="rId26"/>
+      <p:bold r:id="rId27"/>
+      <p:italic r:id="rId28"/>
+      <p:boldItalic r:id="rId29"/>
+    </p:embeddedFont>
+    <p:embeddedFont>
+      <p:font typeface="Source Sans Pro" panose="020B0604020202020204" charset="0"/>
+      <p:regular r:id="rId30"/>
+      <p:bold r:id="rId31"/>
+      <p:italic r:id="rId32"/>
+      <p:boldItalic r:id="rId33"/>
+    </p:embeddedFont>
+    <p:embeddedFont>
+      <p:font typeface="Fira Sans Extra Condensed" panose="020B0604020202020204" charset="0"/>
+      <p:regular r:id="rId34"/>
+      <p:bold r:id="rId35"/>
+      <p:italic r:id="rId36"/>
+      <p:boldItalic r:id="rId37"/>
     </p:embeddedFont>
     <p:embeddedFont>
       <p:font typeface="Roboto" panose="020B0604020202020204" charset="0"/>
-      <p:regular r:id="rId27"/>
-      <p:bold r:id="rId28"/>
-      <p:italic r:id="rId29"/>
-      <p:boldItalic r:id="rId30"/>
+      <p:regular r:id="rId38"/>
+      <p:bold r:id="rId39"/>
+      <p:italic r:id="rId40"/>
+      <p:boldItalic r:id="rId41"/>
     </p:embeddedFont>
     <p:embeddedFont>
-      <p:font typeface="Source Sans Pro" panose="020B0604020202020204" charset="0"/>
-      <p:regular r:id="rId31"/>
-      <p:bold r:id="rId32"/>
-      <p:italic r:id="rId33"/>
-      <p:boldItalic r:id="rId34"/>
-    </p:embeddedFont>
-    <p:embeddedFont>
-      <p:font typeface="Fira Sans Extra Condensed Medium" panose="020B0604020202020204" charset="0"/>
-      <p:regular r:id="rId35"/>
-      <p:bold r:id="rId36"/>
-      <p:italic r:id="rId37"/>
-      <p:boldItalic r:id="rId38"/>
-    </p:embeddedFont>
-    <p:embeddedFont>
-      <p:font typeface="Cambria Math" panose="02040503050406030204" pitchFamily="18" charset="0"/>
-      <p:regular r:id="rId39"/>
-    </p:embeddedFont>
-    <p:embeddedFont>
-      <p:font typeface="Fira Sans Extra Condensed" panose="020B0604020202020204" charset="0"/>
-      <p:regular r:id="rId40"/>
-      <p:bold r:id="rId41"/>
-      <p:italic r:id="rId42"/>
-      <p:boldItalic r:id="rId43"/>
+      <p:font typeface="Roboto Slab" panose="020B0604020202020204" charset="0"/>
+      <p:regular r:id="rId42"/>
+      <p:bold r:id="rId43"/>
     </p:embeddedFont>
   </p:embeddedFontLst>
   <p:defaultTextStyle>
@@ -6641,11 +6641,7 @@
             </a:pPr>
             <a:r>
               <a:rPr lang="en" dirty="0" smtClean="0"/>
-              <a:t>Segmentación y </a:t>
-            </a:r>
-            <a:r>
-              <a:rPr lang="en" dirty="0" smtClean="0"/>
-              <a:t>Recomendador</a:t>
+              <a:t>Segmentación y Recomendador</a:t>
             </a:r>
             <a:endParaRPr dirty="0"/>
           </a:p>
@@ -6733,8 +6729,8 @@
           </a:p>
         </p:txBody>
       </p:sp>
-      <mc:AlternateContent xmlns:mc="http://schemas.openxmlformats.org/markup-compatibility/2006">
-        <mc:Choice xmlns:a14="http://schemas.microsoft.com/office/drawing/2010/main" Requires="a14">
+      <mc:AlternateContent xmlns:mc="http://schemas.openxmlformats.org/markup-compatibility/2006" xmlns:a14="http://schemas.microsoft.com/office/drawing/2010/main">
+        <mc:Choice Requires="a14">
           <p:sp>
             <p:nvSpPr>
               <p:cNvPr id="141" name="Google Shape;141;p20"/>
@@ -6904,7 +6900,7 @@
             </p:txBody>
           </p:sp>
         </mc:Choice>
-        <mc:Fallback>
+        <mc:Fallback xmlns="">
           <p:sp>
             <p:nvSpPr>
               <p:cNvPr id="141" name="Google Shape;141;p20"/>
@@ -6945,8 +6941,8 @@
           </p:sp>
         </mc:Fallback>
       </mc:AlternateContent>
-      <mc:AlternateContent xmlns:mc="http://schemas.openxmlformats.org/markup-compatibility/2006">
-        <mc:Choice xmlns:a14="http://schemas.microsoft.com/office/drawing/2010/main" Requires="a14">
+      <mc:AlternateContent xmlns:mc="http://schemas.openxmlformats.org/markup-compatibility/2006" xmlns:a14="http://schemas.microsoft.com/office/drawing/2010/main">
+        <mc:Choice Requires="a14">
           <p:sp>
             <p:nvSpPr>
               <p:cNvPr id="142" name="Google Shape;142;p20"/>
@@ -7048,7 +7044,7 @@
             </p:txBody>
           </p:sp>
         </mc:Choice>
-        <mc:Fallback>
+        <mc:Fallback xmlns="">
           <p:sp>
             <p:nvSpPr>
               <p:cNvPr id="142" name="Google Shape;142;p20"/>
@@ -7305,8 +7301,8 @@
           </a:p>
         </p:txBody>
       </p:sp>
-      <mc:AlternateContent xmlns:mc="http://schemas.openxmlformats.org/markup-compatibility/2006">
-        <mc:Choice xmlns:a14="http://schemas.microsoft.com/office/drawing/2010/main" Requires="a14">
+      <mc:AlternateContent xmlns:mc="http://schemas.openxmlformats.org/markup-compatibility/2006" xmlns:a14="http://schemas.microsoft.com/office/drawing/2010/main">
+        <mc:Choice Requires="a14">
           <p:sp>
             <p:nvSpPr>
               <p:cNvPr id="7" name="CuadroTexto 6"/>
@@ -7370,7 +7366,7 @@
             </p:txBody>
           </p:sp>
         </mc:Choice>
-        <mc:Fallback>
+        <mc:Fallback xmlns="">
           <p:sp>
             <p:nvSpPr>
               <p:cNvPr id="7" name="CuadroTexto 6"/>
@@ -7599,8 +7595,8 @@
           </a:prstGeom>
         </p:spPr>
       </p:pic>
-      <mc:AlternateContent xmlns:mc="http://schemas.openxmlformats.org/markup-compatibility/2006">
-        <mc:Choice xmlns:a14="http://schemas.microsoft.com/office/drawing/2010/main" Requires="a14">
+      <mc:AlternateContent xmlns:mc="http://schemas.openxmlformats.org/markup-compatibility/2006" xmlns:a14="http://schemas.microsoft.com/office/drawing/2010/main">
+        <mc:Choice Requires="a14">
           <p:sp>
             <p:nvSpPr>
               <p:cNvPr id="8" name="Rectángulo 7"/>
@@ -7664,7 +7660,7 @@
             </p:txBody>
           </p:sp>
         </mc:Choice>
-        <mc:Fallback>
+        <mc:Fallback xmlns="">
           <p:sp>
             <p:nvSpPr>
               <p:cNvPr id="8" name="Rectángulo 7"/>
@@ -14288,16 +14284,28 @@
           <a:lstStyle/>
           <a:p>
             <a:r>
+              <a:rPr lang="es-CO" b="1" dirty="0">
+                <a:latin typeface="Source Sans Pro" panose="020B0604020202020204" charset="0"/>
+              </a:rPr>
+              <a:t>M</a:t>
+            </a:r>
+            <a:r>
               <a:rPr lang="es-CO" b="1" dirty="0" smtClean="0">
                 <a:latin typeface="Source Sans Pro" panose="020B0604020202020204" charset="0"/>
               </a:rPr>
-              <a:t>R:</a:t>
+              <a:t>:</a:t>
             </a:r>
             <a:r>
               <a:rPr lang="es-CO" dirty="0" smtClean="0">
                 <a:latin typeface="Source Sans Pro" panose="020B0604020202020204" charset="0"/>
               </a:rPr>
-              <a:t> 8,008 USD</a:t>
+              <a:t> </a:t>
+            </a:r>
+            <a:r>
+              <a:rPr lang="es-CO" dirty="0" smtClean="0">
+                <a:latin typeface="Source Sans Pro" panose="020B0604020202020204" charset="0"/>
+              </a:rPr>
+              <a:t>8,008 USD</a:t>
             </a:r>
             <a:endParaRPr lang="es-CO" dirty="0">
               <a:latin typeface="Source Sans Pro" panose="020B0604020202020204" charset="0"/>
@@ -20629,16 +20637,28 @@
           <a:lstStyle/>
           <a:p>
             <a:r>
+              <a:rPr lang="es-CO" b="1" dirty="0">
+                <a:latin typeface="Source Sans Pro" panose="020B0604020202020204" charset="0"/>
+              </a:rPr>
+              <a:t>M</a:t>
+            </a:r>
+            <a:r>
               <a:rPr lang="es-CO" b="1" dirty="0" smtClean="0">
                 <a:latin typeface="Source Sans Pro" panose="020B0604020202020204" charset="0"/>
               </a:rPr>
-              <a:t>R:</a:t>
+              <a:t>:</a:t>
             </a:r>
             <a:r>
               <a:rPr lang="es-CO" dirty="0" smtClean="0">
                 <a:latin typeface="Source Sans Pro" panose="020B0604020202020204" charset="0"/>
               </a:rPr>
-              <a:t> 1,069 USD</a:t>
+              <a:t> </a:t>
+            </a:r>
+            <a:r>
+              <a:rPr lang="es-CO" dirty="0" smtClean="0">
+                <a:latin typeface="Source Sans Pro" panose="020B0604020202020204" charset="0"/>
+              </a:rPr>
+              <a:t>1,069 USD</a:t>
             </a:r>
             <a:endParaRPr lang="es-CO" dirty="0">
               <a:latin typeface="Source Sans Pro" panose="020B0604020202020204" charset="0"/>
@@ -26970,16 +26990,28 @@
           <a:lstStyle/>
           <a:p>
             <a:r>
+              <a:rPr lang="es-CO" b="1" dirty="0">
+                <a:latin typeface="Source Sans Pro" panose="020B0604020202020204" charset="0"/>
+              </a:rPr>
+              <a:t>M</a:t>
+            </a:r>
+            <a:r>
               <a:rPr lang="es-CO" b="1" dirty="0" smtClean="0">
                 <a:latin typeface="Source Sans Pro" panose="020B0604020202020204" charset="0"/>
               </a:rPr>
-              <a:t>R:</a:t>
+              <a:t>:</a:t>
             </a:r>
             <a:r>
               <a:rPr lang="es-CO" dirty="0" smtClean="0">
                 <a:latin typeface="Source Sans Pro" panose="020B0604020202020204" charset="0"/>
               </a:rPr>
-              <a:t> 800 USD</a:t>
+              <a:t> </a:t>
+            </a:r>
+            <a:r>
+              <a:rPr lang="es-CO" dirty="0" smtClean="0">
+                <a:latin typeface="Source Sans Pro" panose="020B0604020202020204" charset="0"/>
+              </a:rPr>
+              <a:t>800 USD</a:t>
             </a:r>
             <a:endParaRPr lang="es-CO" dirty="0">
               <a:latin typeface="Source Sans Pro" panose="020B0604020202020204" charset="0"/>
@@ -33314,13 +33346,19 @@
               <a:rPr lang="es-CO" b="1" dirty="0" smtClean="0">
                 <a:latin typeface="Source Sans Pro" panose="020B0604020202020204" charset="0"/>
               </a:rPr>
-              <a:t>R:</a:t>
+              <a:t>M:</a:t>
             </a:r>
             <a:r>
               <a:rPr lang="es-CO" dirty="0" smtClean="0">
                 <a:latin typeface="Source Sans Pro" panose="020B0604020202020204" charset="0"/>
               </a:rPr>
-              <a:t> 597 USD</a:t>
+              <a:t> </a:t>
+            </a:r>
+            <a:r>
+              <a:rPr lang="es-CO" dirty="0" smtClean="0">
+                <a:latin typeface="Source Sans Pro" panose="020B0604020202020204" charset="0"/>
+              </a:rPr>
+              <a:t>597 USD</a:t>
             </a:r>
             <a:endParaRPr lang="es-CO" dirty="0">
               <a:latin typeface="Source Sans Pro" panose="020B0604020202020204" charset="0"/>
@@ -34560,13 +34598,19 @@
               <a:rPr lang="es-CO" dirty="0" smtClean="0">
                 <a:latin typeface="Source Sans Pro" panose="020B0604020202020204" charset="0"/>
               </a:rPr>
-              <a:t>2206</a:t>
+              <a:t>2,206</a:t>
             </a:r>
             <a:r>
               <a:rPr lang="es-CO" b="1" dirty="0" smtClean="0">
                 <a:latin typeface="Source Sans Pro" panose="020B0604020202020204" charset="0"/>
               </a:rPr>
-              <a:t> clientes</a:t>
+              <a:t> </a:t>
+            </a:r>
+            <a:r>
+              <a:rPr lang="es-CO" b="1" dirty="0" smtClean="0">
+                <a:latin typeface="Source Sans Pro" panose="020B0604020202020204" charset="0"/>
+              </a:rPr>
+              <a:t>clientes</a:t>
             </a:r>
             <a:endParaRPr lang="es-CO" dirty="0">
               <a:latin typeface="Source Sans Pro" panose="020B0604020202020204" charset="0"/>
@@ -39153,8 +39197,8 @@
           </a:p>
         </p:txBody>
       </p:sp>
-      <mc:AlternateContent xmlns:mc="http://schemas.openxmlformats.org/markup-compatibility/2006">
-        <mc:Choice xmlns:a14="http://schemas.microsoft.com/office/drawing/2010/main" Requires="a14">
+      <mc:AlternateContent xmlns:mc="http://schemas.openxmlformats.org/markup-compatibility/2006" xmlns:a14="http://schemas.microsoft.com/office/drawing/2010/main">
+        <mc:Choice Requires="a14">
           <p:sp>
             <p:nvSpPr>
               <p:cNvPr id="141" name="Google Shape;141;p20"/>
@@ -39375,11 +39419,7 @@
                 </a14:m>
                 <a:r>
                   <a:rPr lang="es-CO" dirty="0" smtClean="0"/>
-                  <a:t> son vectores fila. </a:t>
-                </a:r>
-                <a:r>
-                  <a:rPr lang="es-CO" dirty="0" smtClean="0"/>
-                  <a:t>La similitud de coseno es </a:t>
+                  <a:t> son vectores fila. La similitud de coseno es </a:t>
                 </a:r>
                 <a14:m>
                   <m:oMath xmlns:m="http://schemas.openxmlformats.org/officeDocument/2006/math">
@@ -39462,7 +39502,7 @@
             </p:txBody>
           </p:sp>
         </mc:Choice>
-        <mc:Fallback>
+        <mc:Fallback xmlns="">
           <p:sp>
             <p:nvSpPr>
               <p:cNvPr id="141" name="Google Shape;141;p20"/>
@@ -41382,11 +41422,7 @@
             </a:r>
             <a:r>
               <a:rPr lang="en" sz="6000" b="1" dirty="0" smtClean="0"/>
-              <a:t>Gracias</a:t>
-            </a:r>
-            <a:r>
-              <a:rPr lang="en" sz="6000" b="1" dirty="0" smtClean="0"/>
-              <a:t>!</a:t>
+              <a:t>Gracias!</a:t>
             </a:r>
             <a:endParaRPr sz="6000" b="1" dirty="0"/>
           </a:p>
@@ -41570,6 +41606,32 @@
           </a:p>
         </p:txBody>
       </p:sp>
+      <p:pic>
+        <p:nvPicPr>
+          <p:cNvPr id="2" name="Imagen 1">
+            <a:hlinkClick r:id="rId4"/>
+          </p:cNvPr>
+          <p:cNvPicPr>
+            <a:picLocks noChangeAspect="1"/>
+          </p:cNvPicPr>
+          <p:nvPr/>
+        </p:nvPicPr>
+        <p:blipFill>
+          <a:blip r:embed="rId5"/>
+          <a:stretch>
+            <a:fillRect/>
+          </a:stretch>
+        </p:blipFill>
+        <p:spPr>
+          <a:xfrm>
+            <a:off x="5881934" y="3472475"/>
+            <a:ext cx="727060" cy="420241"/>
+          </a:xfrm>
+          <a:prstGeom prst="rect">
+            <a:avLst/>
+          </a:prstGeom>
+        </p:spPr>
+      </p:pic>
     </p:spTree>
   </p:cSld>
   <p:clrMapOvr>
@@ -43892,7 +43954,31 @@
                 <a:cs typeface="Roboto"/>
                 <a:sym typeface="Roboto"/>
               </a:rPr>
-              <a:t>Días visita la tiene en el año</a:t>
+              <a:t>Días visita la </a:t>
+            </a:r>
+            <a:r>
+              <a:rPr lang="es-CO" sz="1200" dirty="0" smtClean="0">
+                <a:solidFill>
+                  <a:srgbClr val="434343"/>
+                </a:solidFill>
+                <a:latin typeface="Roboto"/>
+                <a:ea typeface="Roboto"/>
+                <a:cs typeface="Roboto"/>
+                <a:sym typeface="Roboto"/>
+              </a:rPr>
+              <a:t>tienda </a:t>
+            </a:r>
+            <a:r>
+              <a:rPr lang="es-CO" sz="1200" dirty="0" smtClean="0">
+                <a:solidFill>
+                  <a:srgbClr val="434343"/>
+                </a:solidFill>
+                <a:latin typeface="Roboto"/>
+                <a:ea typeface="Roboto"/>
+                <a:cs typeface="Roboto"/>
+                <a:sym typeface="Roboto"/>
+              </a:rPr>
+              <a:t>en el año</a:t>
             </a:r>
             <a:endParaRPr sz="1200" dirty="0">
               <a:solidFill>
@@ -52982,16 +53068,7 @@
                 </a:solidFill>
                 <a:latin typeface="Source Sans Pro" panose="020B0604020202020204" charset="0"/>
               </a:rPr>
-              <a:t>de transacciones </a:t>
-            </a:r>
-            <a:r>
-              <a:rPr lang="es-CO" dirty="0">
-                <a:solidFill>
-                  <a:schemeClr val="tx1"/>
-                </a:solidFill>
-                <a:latin typeface="Source Sans Pro" panose="020B0604020202020204" charset="0"/>
-              </a:rPr>
-              <a:t> </a:t>
+              <a:t>de transacciones  </a:t>
             </a:r>
             <a:r>
               <a:rPr lang="es-CO" dirty="0" smtClean="0">
